--- a/pres/march2017.pptx
+++ b/pres/march2017.pptx
@@ -104,6 +104,11 @@
       </a:defRPr>
     </a:lvl9pPr>
   </p:defaultTextStyle>
+  <p:extLst>
+    <p:ext uri="{EFAFB233-063F-42B5-8137-9DF3F51BA10A}">
+      <p15:sldGuideLst xmlns:p15="http://schemas.microsoft.com/office/powerpoint/2012/main"/>
+    </p:ext>
+  </p:extLst>
 </p:presentation>
 </file>
 
@@ -2992,7 +2997,15 @@
             </a:r>
             <a:r>
               <a:rPr lang="en-US" sz="3200" dirty="0" smtClean="0"/>
-              <a:t> Objects in a server-less world</a:t>
+              <a:t> Objects in a </a:t>
+            </a:r>
+            <a:r>
+              <a:rPr lang="en-US" sz="3200" dirty="0" smtClean="0"/>
+              <a:t>server-less </a:t>
+            </a:r>
+            <a:r>
+              <a:rPr lang="en-US" sz="3200" dirty="0" smtClean="0"/>
+              <a:t>world</a:t>
             </a:r>
             <a:endParaRPr lang="en-US" dirty="0"/>
           </a:p>
@@ -3158,7 +3171,7 @@
         </p:nvSpPr>
         <p:spPr>
           <a:xfrm>
-            <a:off x="1116281" y="5450774"/>
+            <a:off x="1223157" y="5236817"/>
             <a:ext cx="4548168" cy="400110"/>
           </a:xfrm>
           <a:prstGeom prst="rect">
@@ -3192,6 +3205,30 @@
           </a:p>
         </p:txBody>
       </p:sp>
+      <p:pic>
+        <p:nvPicPr>
+          <p:cNvPr id="3" name="Picture 2"/>
+          <p:cNvPicPr>
+            <a:picLocks noChangeAspect="1"/>
+          </p:cNvPicPr>
+          <p:nvPr/>
+        </p:nvPicPr>
+        <p:blipFill>
+          <a:blip r:embed="rId6"/>
+          <a:stretch>
+            <a:fillRect/>
+          </a:stretch>
+        </p:blipFill>
+        <p:spPr>
+          <a:xfrm>
+            <a:off x="1116281" y="5942446"/>
+            <a:ext cx="7848600" cy="749300"/>
+          </a:xfrm>
+          <a:prstGeom prst="rect">
+            <a:avLst/>
+          </a:prstGeom>
+        </p:spPr>
+      </p:pic>
     </p:spTree>
     <p:extLst>
       <p:ext uri="{BB962C8B-B14F-4D97-AF65-F5344CB8AC3E}">
@@ -3202,6 +3239,13 @@
   <p:clrMapOvr>
     <a:masterClrMapping/>
   </p:clrMapOvr>
+  <p:timing>
+    <p:tnLst>
+      <p:par>
+        <p:cTn id="1" dur="indefinite" restart="never" nodeType="tmRoot"/>
+      </p:par>
+    </p:tnLst>
+  </p:timing>
 </p:sld>
 </file>
 
